--- a/Documents/EquipmentConfig.pptx
+++ b/Documents/EquipmentConfig.pptx
@@ -7,6 +7,12 @@
   <p:sldIdLst>
     <p:sldId id="256" r:id="rId2"/>
     <p:sldId id="257" r:id="rId3"/>
+    <p:sldId id="263" r:id="rId4"/>
+    <p:sldId id="258" r:id="rId5"/>
+    <p:sldId id="259" r:id="rId6"/>
+    <p:sldId id="260" r:id="rId7"/>
+    <p:sldId id="261" r:id="rId8"/>
+    <p:sldId id="262" r:id="rId9"/>
   </p:sldIdLst>
   <p:sldSz cx="12192000" cy="6858000"/>
   <p:notesSz cx="6858000" cy="9144000"/>
@@ -4486,7 +4492,7 @@
         </p:nvGrpSpPr>
         <p:grpSpPr>
           <a:xfrm>
-            <a:off x="468000" y="4725832"/>
+            <a:off x="665043" y="5372337"/>
             <a:ext cx="360000" cy="360000"/>
             <a:chOff x="9360000" y="3960000"/>
             <a:chExt cx="360000" cy="360000"/>
@@ -6089,56 +6095,6 @@
           <a:chExt cx="0" cy="0"/>
         </a:xfrm>
       </p:grpSpPr>
-      <p:sp>
-        <p:nvSpPr>
-          <p:cNvPr id="2" name="タイトル 1">
-            <a:extLst>
-              <a:ext uri="{FF2B5EF4-FFF2-40B4-BE49-F238E27FC236}">
-                <a16:creationId xmlns:a16="http://schemas.microsoft.com/office/drawing/2014/main" id="{BC620A72-B593-B5A1-4B6F-DAF48B9DE693}"/>
-              </a:ext>
-            </a:extLst>
-          </p:cNvPr>
-          <p:cNvSpPr>
-            <a:spLocks noGrp="1"/>
-          </p:cNvSpPr>
-          <p:nvPr>
-            <p:ph type="title"/>
-          </p:nvPr>
-        </p:nvSpPr>
-        <p:spPr/>
-        <p:txBody>
-          <a:bodyPr/>
-          <a:lstStyle/>
-          <a:p>
-            <a:endParaRPr kumimoji="1" lang="ja-JP" altLang="en-US"/>
-          </a:p>
-        </p:txBody>
-      </p:sp>
-      <p:sp>
-        <p:nvSpPr>
-          <p:cNvPr id="3" name="コンテンツ プレースホルダー 2">
-            <a:extLst>
-              <a:ext uri="{FF2B5EF4-FFF2-40B4-BE49-F238E27FC236}">
-                <a16:creationId xmlns:a16="http://schemas.microsoft.com/office/drawing/2014/main" id="{A65426EF-7CDC-916C-1E75-9EBFB5F4AB18}"/>
-              </a:ext>
-            </a:extLst>
-          </p:cNvPr>
-          <p:cNvSpPr>
-            <a:spLocks noGrp="1"/>
-          </p:cNvSpPr>
-          <p:nvPr>
-            <p:ph idx="1"/>
-          </p:nvPr>
-        </p:nvSpPr>
-        <p:spPr/>
-        <p:txBody>
-          <a:bodyPr/>
-          <a:lstStyle/>
-          <a:p>
-            <a:endParaRPr kumimoji="1" lang="ja-JP" altLang="en-US"/>
-          </a:p>
-        </p:txBody>
-      </p:sp>
       <p:pic>
         <p:nvPicPr>
           <p:cNvPr id="50" name="図 49" descr="屋内, テーブル, ビデオ, ゲーム が含まれている画像&#10;&#10;AI によって生成されたコンテンツは間違っている可能性があります。">
@@ -6179,6 +6135,1351 @@
     <p:extLst>
       <p:ext uri="{BB962C8B-B14F-4D97-AF65-F5344CB8AC3E}">
         <p14:creationId xmlns:p14="http://schemas.microsoft.com/office/powerpoint/2010/main" val="2790514684"/>
+      </p:ext>
+    </p:extLst>
+  </p:cSld>
+  <p:clrMapOvr>
+    <a:masterClrMapping/>
+  </p:clrMapOvr>
+</p:sld>
+</file>
+
+<file path=ppt/slides/slide3.xml><?xml version="1.0" encoding="utf-8"?>
+<p:sld xmlns:a="http://schemas.openxmlformats.org/drawingml/2006/main" xmlns:r="http://schemas.openxmlformats.org/officeDocument/2006/relationships" xmlns:p="http://schemas.openxmlformats.org/presentationml/2006/main">
+  <p:cSld>
+    <p:spTree>
+      <p:nvGrpSpPr>
+        <p:cNvPr id="1" name="">
+          <a:extLst>
+            <a:ext uri="{FF2B5EF4-FFF2-40B4-BE49-F238E27FC236}">
+              <a16:creationId xmlns:a16="http://schemas.microsoft.com/office/drawing/2014/main" id="{38733604-7D2D-E562-B0DD-DCE64FF6D565}"/>
+            </a:ext>
+          </a:extLst>
+        </p:cNvPr>
+        <p:cNvGrpSpPr/>
+        <p:nvPr/>
+      </p:nvGrpSpPr>
+      <p:grpSpPr>
+        <a:xfrm>
+          <a:off x="0" y="0"/>
+          <a:ext cx="0" cy="0"/>
+          <a:chOff x="0" y="0"/>
+          <a:chExt cx="0" cy="0"/>
+        </a:xfrm>
+      </p:grpSpPr>
+      <p:pic>
+        <p:nvPicPr>
+          <p:cNvPr id="5" name="図 4" descr="屋内, モニター, 座る, 小さい が含まれている画像&#10;&#10;AI によって生成されたコンテンツは間違っている可能性があります。">
+            <a:extLst>
+              <a:ext uri="{FF2B5EF4-FFF2-40B4-BE49-F238E27FC236}">
+                <a16:creationId xmlns:a16="http://schemas.microsoft.com/office/drawing/2014/main" id="{6805ECD2-4DB8-804D-614F-BE2DF1F174D7}"/>
+              </a:ext>
+            </a:extLst>
+          </p:cNvPr>
+          <p:cNvPicPr>
+            <a:picLocks noChangeAspect="1"/>
+          </p:cNvPicPr>
+          <p:nvPr/>
+        </p:nvPicPr>
+        <p:blipFill>
+          <a:blip r:embed="rId2">
+            <a:extLst>
+              <a:ext uri="{28A0092B-C50C-407E-A947-70E740481C1C}">
+                <a14:useLocalDpi xmlns:a14="http://schemas.microsoft.com/office/drawing/2010/main" val="0"/>
+              </a:ext>
+            </a:extLst>
+          </a:blip>
+          <a:srcRect t="7486" b="30994"/>
+          <a:stretch/>
+        </p:blipFill>
+        <p:spPr>
+          <a:xfrm>
+            <a:off x="360000" y="360000"/>
+            <a:ext cx="7800519" cy="3600000"/>
+          </a:xfrm>
+          <a:prstGeom prst="rect">
+            <a:avLst/>
+          </a:prstGeom>
+        </p:spPr>
+      </p:pic>
+      <p:sp>
+        <p:nvSpPr>
+          <p:cNvPr id="6" name="テキスト ボックス 5">
+            <a:extLst>
+              <a:ext uri="{FF2B5EF4-FFF2-40B4-BE49-F238E27FC236}">
+                <a16:creationId xmlns:a16="http://schemas.microsoft.com/office/drawing/2014/main" id="{B04F96BC-0D15-C30E-6791-5BD8B5F675EF}"/>
+              </a:ext>
+            </a:extLst>
+          </p:cNvPr>
+          <p:cNvSpPr txBox="1"/>
+          <p:nvPr/>
+        </p:nvSpPr>
+        <p:spPr>
+          <a:xfrm>
+            <a:off x="360000" y="4860000"/>
+            <a:ext cx="5400000" cy="369332"/>
+          </a:xfrm>
+          <a:prstGeom prst="rect">
+            <a:avLst/>
+          </a:prstGeom>
+          <a:noFill/>
+          <a:ln w="38100">
+            <a:solidFill>
+              <a:srgbClr val="0070C0"/>
+            </a:solidFill>
+          </a:ln>
+        </p:spPr>
+        <p:txBody>
+          <a:bodyPr wrap="square" rtlCol="0" anchor="ctr">
+            <a:spAutoFit/>
+          </a:bodyPr>
+          <a:lstStyle/>
+          <a:p>
+            <a:r>
+              <a:rPr kumimoji="1" lang="en-US" altLang="ja-JP" b="1" dirty="0">
+                <a:latin typeface="Meiryo UI" panose="020B0604030504040204" pitchFamily="50" charset="-128"/>
+                <a:ea typeface="Meiryo UI" panose="020B0604030504040204" pitchFamily="50" charset="-128"/>
+              </a:rPr>
+              <a:t>Local: Can be unlocked by remote control. </a:t>
+            </a:r>
+            <a:endParaRPr kumimoji="1" lang="ja-JP" altLang="en-US" b="1" dirty="0">
+              <a:latin typeface="Meiryo UI" panose="020B0604030504040204" pitchFamily="50" charset="-128"/>
+              <a:ea typeface="Meiryo UI" panose="020B0604030504040204" pitchFamily="50" charset="-128"/>
+            </a:endParaRPr>
+          </a:p>
+        </p:txBody>
+      </p:sp>
+      <p:sp>
+        <p:nvSpPr>
+          <p:cNvPr id="7" name="テキスト ボックス 6">
+            <a:extLst>
+              <a:ext uri="{FF2B5EF4-FFF2-40B4-BE49-F238E27FC236}">
+                <a16:creationId xmlns:a16="http://schemas.microsoft.com/office/drawing/2014/main" id="{B2E3A602-549F-68E8-EA93-42885F47C245}"/>
+              </a:ext>
+            </a:extLst>
+          </p:cNvPr>
+          <p:cNvSpPr txBox="1"/>
+          <p:nvPr/>
+        </p:nvSpPr>
+        <p:spPr>
+          <a:xfrm>
+            <a:off x="1080000" y="4140000"/>
+            <a:ext cx="1800000" cy="369332"/>
+          </a:xfrm>
+          <a:prstGeom prst="rect">
+            <a:avLst/>
+          </a:prstGeom>
+          <a:noFill/>
+          <a:ln w="38100">
+            <a:solidFill>
+              <a:srgbClr val="FF0000"/>
+            </a:solidFill>
+          </a:ln>
+        </p:spPr>
+        <p:txBody>
+          <a:bodyPr wrap="square" rtlCol="0" anchor="ctr">
+            <a:spAutoFit/>
+          </a:bodyPr>
+          <a:lstStyle/>
+          <a:p>
+            <a:r>
+              <a:rPr lang="en-US" altLang="ja-JP" b="1" dirty="0">
+                <a:latin typeface="Meiryo UI" panose="020B0604030504040204" pitchFamily="50" charset="-128"/>
+                <a:ea typeface="Meiryo UI" panose="020B0604030504040204" pitchFamily="50" charset="-128"/>
+              </a:rPr>
+              <a:t>Menu button</a:t>
+            </a:r>
+            <a:r>
+              <a:rPr kumimoji="1" lang="en-US" altLang="ja-JP" b="1" dirty="0">
+                <a:latin typeface="Meiryo UI" panose="020B0604030504040204" pitchFamily="50" charset="-128"/>
+                <a:ea typeface="Meiryo UI" panose="020B0604030504040204" pitchFamily="50" charset="-128"/>
+              </a:rPr>
+              <a:t> </a:t>
+            </a:r>
+            <a:endParaRPr kumimoji="1" lang="ja-JP" altLang="en-US" b="1" dirty="0">
+              <a:latin typeface="Meiryo UI" panose="020B0604030504040204" pitchFamily="50" charset="-128"/>
+              <a:ea typeface="Meiryo UI" panose="020B0604030504040204" pitchFamily="50" charset="-128"/>
+            </a:endParaRPr>
+          </a:p>
+        </p:txBody>
+      </p:sp>
+      <p:sp>
+        <p:nvSpPr>
+          <p:cNvPr id="8" name="テキスト ボックス 7">
+            <a:extLst>
+              <a:ext uri="{FF2B5EF4-FFF2-40B4-BE49-F238E27FC236}">
+                <a16:creationId xmlns:a16="http://schemas.microsoft.com/office/drawing/2014/main" id="{92667411-35A0-7553-6CC0-E0A94DB4C844}"/>
+              </a:ext>
+            </a:extLst>
+          </p:cNvPr>
+          <p:cNvSpPr txBox="1"/>
+          <p:nvPr/>
+        </p:nvSpPr>
+        <p:spPr>
+          <a:xfrm>
+            <a:off x="3240000" y="4140000"/>
+            <a:ext cx="1800000" cy="369332"/>
+          </a:xfrm>
+          <a:prstGeom prst="rect">
+            <a:avLst/>
+          </a:prstGeom>
+          <a:noFill/>
+          <a:ln w="38100">
+            <a:solidFill>
+              <a:srgbClr val="FF0000"/>
+            </a:solidFill>
+          </a:ln>
+        </p:spPr>
+        <p:txBody>
+          <a:bodyPr wrap="square" rtlCol="0" anchor="ctr">
+            <a:spAutoFit/>
+          </a:bodyPr>
+          <a:lstStyle/>
+          <a:p>
+            <a:r>
+              <a:rPr lang="en-US" altLang="ja-JP" b="1" dirty="0">
+                <a:latin typeface="Meiryo UI" panose="020B0604030504040204" pitchFamily="50" charset="-128"/>
+                <a:ea typeface="Meiryo UI" panose="020B0604030504040204" pitchFamily="50" charset="-128"/>
+              </a:rPr>
+              <a:t>Exit button</a:t>
+            </a:r>
+            <a:r>
+              <a:rPr kumimoji="1" lang="en-US" altLang="ja-JP" b="1" dirty="0">
+                <a:latin typeface="Meiryo UI" panose="020B0604030504040204" pitchFamily="50" charset="-128"/>
+                <a:ea typeface="Meiryo UI" panose="020B0604030504040204" pitchFamily="50" charset="-128"/>
+              </a:rPr>
+              <a:t> </a:t>
+            </a:r>
+            <a:endParaRPr kumimoji="1" lang="ja-JP" altLang="en-US" b="1" dirty="0">
+              <a:latin typeface="Meiryo UI" panose="020B0604030504040204" pitchFamily="50" charset="-128"/>
+              <a:ea typeface="Meiryo UI" panose="020B0604030504040204" pitchFamily="50" charset="-128"/>
+            </a:endParaRPr>
+          </a:p>
+        </p:txBody>
+      </p:sp>
+      <p:sp>
+        <p:nvSpPr>
+          <p:cNvPr id="9" name="テキスト ボックス 8">
+            <a:extLst>
+              <a:ext uri="{FF2B5EF4-FFF2-40B4-BE49-F238E27FC236}">
+                <a16:creationId xmlns:a16="http://schemas.microsoft.com/office/drawing/2014/main" id="{4FFBFC78-77B1-3492-6DBC-E02821455E11}"/>
+              </a:ext>
+            </a:extLst>
+          </p:cNvPr>
+          <p:cNvSpPr txBox="1"/>
+          <p:nvPr/>
+        </p:nvSpPr>
+        <p:spPr>
+          <a:xfrm>
+            <a:off x="5400000" y="4140000"/>
+            <a:ext cx="1800000" cy="369332"/>
+          </a:xfrm>
+          <a:prstGeom prst="rect">
+            <a:avLst/>
+          </a:prstGeom>
+          <a:noFill/>
+          <a:ln w="38100">
+            <a:solidFill>
+              <a:srgbClr val="FF0000"/>
+            </a:solidFill>
+          </a:ln>
+        </p:spPr>
+        <p:txBody>
+          <a:bodyPr wrap="square" rtlCol="0" anchor="ctr">
+            <a:spAutoFit/>
+          </a:bodyPr>
+          <a:lstStyle/>
+          <a:p>
+            <a:r>
+              <a:rPr lang="en-US" altLang="ja-JP" b="1" dirty="0">
+                <a:latin typeface="Meiryo UI" panose="020B0604030504040204" pitchFamily="50" charset="-128"/>
+                <a:ea typeface="Meiryo UI" panose="020B0604030504040204" pitchFamily="50" charset="-128"/>
+              </a:rPr>
+              <a:t>Enter button</a:t>
+            </a:r>
+            <a:r>
+              <a:rPr kumimoji="1" lang="en-US" altLang="ja-JP" b="1" dirty="0">
+                <a:latin typeface="Meiryo UI" panose="020B0604030504040204" pitchFamily="50" charset="-128"/>
+                <a:ea typeface="Meiryo UI" panose="020B0604030504040204" pitchFamily="50" charset="-128"/>
+              </a:rPr>
+              <a:t> </a:t>
+            </a:r>
+            <a:endParaRPr kumimoji="1" lang="ja-JP" altLang="en-US" b="1" dirty="0">
+              <a:latin typeface="Meiryo UI" panose="020B0604030504040204" pitchFamily="50" charset="-128"/>
+              <a:ea typeface="Meiryo UI" panose="020B0604030504040204" pitchFamily="50" charset="-128"/>
+            </a:endParaRPr>
+          </a:p>
+        </p:txBody>
+      </p:sp>
+      <p:sp>
+        <p:nvSpPr>
+          <p:cNvPr id="10" name="テキスト ボックス 9">
+            <a:extLst>
+              <a:ext uri="{FF2B5EF4-FFF2-40B4-BE49-F238E27FC236}">
+                <a16:creationId xmlns:a16="http://schemas.microsoft.com/office/drawing/2014/main" id="{2BE5F082-6A88-0B4E-AE17-D61BFA949574}"/>
+              </a:ext>
+            </a:extLst>
+          </p:cNvPr>
+          <p:cNvSpPr txBox="1"/>
+          <p:nvPr/>
+        </p:nvSpPr>
+        <p:spPr>
+          <a:xfrm>
+            <a:off x="6120000" y="4860000"/>
+            <a:ext cx="1800000" cy="369332"/>
+          </a:xfrm>
+          <a:prstGeom prst="rect">
+            <a:avLst/>
+          </a:prstGeom>
+          <a:noFill/>
+          <a:ln w="38100">
+            <a:solidFill>
+              <a:srgbClr val="FF0000"/>
+            </a:solidFill>
+          </a:ln>
+        </p:spPr>
+        <p:txBody>
+          <a:bodyPr wrap="square" rtlCol="0" anchor="ctr">
+            <a:spAutoFit/>
+          </a:bodyPr>
+          <a:lstStyle/>
+          <a:p>
+            <a:r>
+              <a:rPr lang="en-US" altLang="ja-JP" b="1" dirty="0">
+                <a:latin typeface="Meiryo UI" panose="020B0604030504040204" pitchFamily="50" charset="-128"/>
+                <a:ea typeface="Meiryo UI" panose="020B0604030504040204" pitchFamily="50" charset="-128"/>
+              </a:rPr>
+              <a:t>Select button</a:t>
+            </a:r>
+            <a:r>
+              <a:rPr kumimoji="1" lang="en-US" altLang="ja-JP" b="1" dirty="0">
+                <a:latin typeface="Meiryo UI" panose="020B0604030504040204" pitchFamily="50" charset="-128"/>
+                <a:ea typeface="Meiryo UI" panose="020B0604030504040204" pitchFamily="50" charset="-128"/>
+              </a:rPr>
+              <a:t> </a:t>
+            </a:r>
+            <a:endParaRPr kumimoji="1" lang="ja-JP" altLang="en-US" b="1" dirty="0">
+              <a:latin typeface="Meiryo UI" panose="020B0604030504040204" pitchFamily="50" charset="-128"/>
+              <a:ea typeface="Meiryo UI" panose="020B0604030504040204" pitchFamily="50" charset="-128"/>
+            </a:endParaRPr>
+          </a:p>
+        </p:txBody>
+      </p:sp>
+      <p:sp>
+        <p:nvSpPr>
+          <p:cNvPr id="11" name="四角形: 角を丸くする 10">
+            <a:extLst>
+              <a:ext uri="{FF2B5EF4-FFF2-40B4-BE49-F238E27FC236}">
+                <a16:creationId xmlns:a16="http://schemas.microsoft.com/office/drawing/2014/main" id="{B43B021F-BE8B-767F-94FF-224F99376267}"/>
+              </a:ext>
+            </a:extLst>
+          </p:cNvPr>
+          <p:cNvSpPr/>
+          <p:nvPr/>
+        </p:nvSpPr>
+        <p:spPr>
+          <a:xfrm>
+            <a:off x="4500000" y="3096000"/>
+            <a:ext cx="450000" cy="252000"/>
+          </a:xfrm>
+          <a:prstGeom prst="roundRect">
+            <a:avLst/>
+          </a:prstGeom>
+          <a:noFill/>
+          <a:ln w="38100">
+            <a:solidFill>
+              <a:srgbClr val="FF0000"/>
+            </a:solidFill>
+          </a:ln>
+        </p:spPr>
+        <p:style>
+          <a:lnRef idx="2">
+            <a:schemeClr val="accent1">
+              <a:shade val="15000"/>
+            </a:schemeClr>
+          </a:lnRef>
+          <a:fillRef idx="1">
+            <a:schemeClr val="accent1"/>
+          </a:fillRef>
+          <a:effectRef idx="0">
+            <a:schemeClr val="accent1"/>
+          </a:effectRef>
+          <a:fontRef idx="minor">
+            <a:schemeClr val="lt1"/>
+          </a:fontRef>
+        </p:style>
+        <p:txBody>
+          <a:bodyPr rtlCol="0" anchor="ctr"/>
+          <a:lstStyle/>
+          <a:p>
+            <a:pPr algn="ctr"/>
+            <a:endParaRPr kumimoji="1" lang="ja-JP" altLang="en-US"/>
+          </a:p>
+        </p:txBody>
+      </p:sp>
+      <p:sp>
+        <p:nvSpPr>
+          <p:cNvPr id="12" name="四角形: 角を丸くする 11">
+            <a:extLst>
+              <a:ext uri="{FF2B5EF4-FFF2-40B4-BE49-F238E27FC236}">
+                <a16:creationId xmlns:a16="http://schemas.microsoft.com/office/drawing/2014/main" id="{392866EE-13CC-124F-19DA-DB8E034EB7BF}"/>
+              </a:ext>
+            </a:extLst>
+          </p:cNvPr>
+          <p:cNvSpPr/>
+          <p:nvPr/>
+        </p:nvSpPr>
+        <p:spPr>
+          <a:xfrm>
+            <a:off x="3960000" y="3096000"/>
+            <a:ext cx="450000" cy="252000"/>
+          </a:xfrm>
+          <a:prstGeom prst="roundRect">
+            <a:avLst/>
+          </a:prstGeom>
+          <a:noFill/>
+          <a:ln w="38100">
+            <a:solidFill>
+              <a:srgbClr val="FF0000"/>
+            </a:solidFill>
+          </a:ln>
+        </p:spPr>
+        <p:style>
+          <a:lnRef idx="2">
+            <a:schemeClr val="accent1">
+              <a:shade val="15000"/>
+            </a:schemeClr>
+          </a:lnRef>
+          <a:fillRef idx="1">
+            <a:schemeClr val="accent1"/>
+          </a:fillRef>
+          <a:effectRef idx="0">
+            <a:schemeClr val="accent1"/>
+          </a:effectRef>
+          <a:fontRef idx="minor">
+            <a:schemeClr val="lt1"/>
+          </a:fontRef>
+        </p:style>
+        <p:txBody>
+          <a:bodyPr rtlCol="0" anchor="ctr"/>
+          <a:lstStyle/>
+          <a:p>
+            <a:pPr algn="ctr"/>
+            <a:endParaRPr kumimoji="1" lang="ja-JP" altLang="en-US"/>
+          </a:p>
+        </p:txBody>
+      </p:sp>
+      <p:sp>
+        <p:nvSpPr>
+          <p:cNvPr id="13" name="四角形: 角を丸くする 12">
+            <a:extLst>
+              <a:ext uri="{FF2B5EF4-FFF2-40B4-BE49-F238E27FC236}">
+                <a16:creationId xmlns:a16="http://schemas.microsoft.com/office/drawing/2014/main" id="{EA2650AD-2D00-92DA-076A-FE33CFB76A03}"/>
+              </a:ext>
+            </a:extLst>
+          </p:cNvPr>
+          <p:cNvSpPr/>
+          <p:nvPr/>
+        </p:nvSpPr>
+        <p:spPr>
+          <a:xfrm>
+            <a:off x="4968000" y="3096000"/>
+            <a:ext cx="450000" cy="252000"/>
+          </a:xfrm>
+          <a:prstGeom prst="roundRect">
+            <a:avLst/>
+          </a:prstGeom>
+          <a:noFill/>
+          <a:ln w="38100">
+            <a:solidFill>
+              <a:srgbClr val="FF0000"/>
+            </a:solidFill>
+          </a:ln>
+        </p:spPr>
+        <p:style>
+          <a:lnRef idx="2">
+            <a:schemeClr val="accent1">
+              <a:shade val="15000"/>
+            </a:schemeClr>
+          </a:lnRef>
+          <a:fillRef idx="1">
+            <a:schemeClr val="accent1"/>
+          </a:fillRef>
+          <a:effectRef idx="0">
+            <a:schemeClr val="accent1"/>
+          </a:effectRef>
+          <a:fontRef idx="minor">
+            <a:schemeClr val="lt1"/>
+          </a:fontRef>
+        </p:style>
+        <p:txBody>
+          <a:bodyPr rtlCol="0" anchor="ctr"/>
+          <a:lstStyle/>
+          <a:p>
+            <a:pPr algn="ctr"/>
+            <a:endParaRPr kumimoji="1" lang="ja-JP" altLang="en-US"/>
+          </a:p>
+        </p:txBody>
+      </p:sp>
+      <p:sp>
+        <p:nvSpPr>
+          <p:cNvPr id="14" name="四角形: 角を丸くする 13">
+            <a:extLst>
+              <a:ext uri="{FF2B5EF4-FFF2-40B4-BE49-F238E27FC236}">
+                <a16:creationId xmlns:a16="http://schemas.microsoft.com/office/drawing/2014/main" id="{90C0DFD1-72D0-683B-00FA-305213DFC171}"/>
+              </a:ext>
+            </a:extLst>
+          </p:cNvPr>
+          <p:cNvSpPr/>
+          <p:nvPr/>
+        </p:nvSpPr>
+        <p:spPr>
+          <a:xfrm>
+            <a:off x="4500000" y="2736000"/>
+            <a:ext cx="900000" cy="252000"/>
+          </a:xfrm>
+          <a:prstGeom prst="roundRect">
+            <a:avLst/>
+          </a:prstGeom>
+          <a:noFill/>
+          <a:ln w="38100">
+            <a:solidFill>
+              <a:srgbClr val="FF0000"/>
+            </a:solidFill>
+          </a:ln>
+        </p:spPr>
+        <p:style>
+          <a:lnRef idx="2">
+            <a:schemeClr val="accent1">
+              <a:shade val="15000"/>
+            </a:schemeClr>
+          </a:lnRef>
+          <a:fillRef idx="1">
+            <a:schemeClr val="accent1"/>
+          </a:fillRef>
+          <a:effectRef idx="0">
+            <a:schemeClr val="accent1"/>
+          </a:effectRef>
+          <a:fontRef idx="minor">
+            <a:schemeClr val="lt1"/>
+          </a:fontRef>
+        </p:style>
+        <p:txBody>
+          <a:bodyPr rtlCol="0" anchor="ctr"/>
+          <a:lstStyle/>
+          <a:p>
+            <a:pPr algn="ctr"/>
+            <a:endParaRPr kumimoji="1" lang="ja-JP" altLang="en-US"/>
+          </a:p>
+        </p:txBody>
+      </p:sp>
+      <p:sp>
+        <p:nvSpPr>
+          <p:cNvPr id="15" name="四角形: 角を丸くする 14">
+            <a:extLst>
+              <a:ext uri="{FF2B5EF4-FFF2-40B4-BE49-F238E27FC236}">
+                <a16:creationId xmlns:a16="http://schemas.microsoft.com/office/drawing/2014/main" id="{A03FDC01-F9DF-5EE8-6ADD-9F3328DA9103}"/>
+              </a:ext>
+            </a:extLst>
+          </p:cNvPr>
+          <p:cNvSpPr/>
+          <p:nvPr/>
+        </p:nvSpPr>
+        <p:spPr>
+          <a:xfrm>
+            <a:off x="1621494" y="2736000"/>
+            <a:ext cx="450000" cy="252000"/>
+          </a:xfrm>
+          <a:prstGeom prst="roundRect">
+            <a:avLst/>
+          </a:prstGeom>
+          <a:noFill/>
+          <a:ln w="38100">
+            <a:solidFill>
+              <a:srgbClr val="0070C0"/>
+            </a:solidFill>
+          </a:ln>
+        </p:spPr>
+        <p:style>
+          <a:lnRef idx="2">
+            <a:schemeClr val="accent1">
+              <a:shade val="15000"/>
+            </a:schemeClr>
+          </a:lnRef>
+          <a:fillRef idx="1">
+            <a:schemeClr val="accent1"/>
+          </a:fillRef>
+          <a:effectRef idx="0">
+            <a:schemeClr val="accent1"/>
+          </a:effectRef>
+          <a:fontRef idx="minor">
+            <a:schemeClr val="lt1"/>
+          </a:fontRef>
+        </p:style>
+        <p:txBody>
+          <a:bodyPr rtlCol="0" anchor="ctr"/>
+          <a:lstStyle/>
+          <a:p>
+            <a:pPr algn="ctr"/>
+            <a:endParaRPr kumimoji="1" lang="ja-JP" altLang="en-US"/>
+          </a:p>
+        </p:txBody>
+      </p:sp>
+      <p:cxnSp>
+        <p:nvCxnSpPr>
+          <p:cNvPr id="17" name="直線コネクタ 16">
+            <a:extLst>
+              <a:ext uri="{FF2B5EF4-FFF2-40B4-BE49-F238E27FC236}">
+                <a16:creationId xmlns:a16="http://schemas.microsoft.com/office/drawing/2014/main" id="{7DAC4445-68BE-4E8A-2E3A-7134318414A0}"/>
+              </a:ext>
+            </a:extLst>
+          </p:cNvPr>
+          <p:cNvCxnSpPr>
+            <a:cxnSpLocks/>
+            <a:stCxn id="7" idx="0"/>
+            <a:endCxn id="12" idx="2"/>
+          </p:cNvCxnSpPr>
+          <p:nvPr/>
+        </p:nvCxnSpPr>
+        <p:spPr>
+          <a:xfrm flipV="1">
+            <a:off x="1980000" y="3348000"/>
+            <a:ext cx="2205000" cy="792000"/>
+          </a:xfrm>
+          <a:prstGeom prst="line">
+            <a:avLst/>
+          </a:prstGeom>
+          <a:ln w="38100">
+            <a:solidFill>
+              <a:srgbClr val="FF0000"/>
+            </a:solidFill>
+          </a:ln>
+        </p:spPr>
+        <p:style>
+          <a:lnRef idx="2">
+            <a:schemeClr val="accent1"/>
+          </a:lnRef>
+          <a:fillRef idx="0">
+            <a:schemeClr val="accent1"/>
+          </a:fillRef>
+          <a:effectRef idx="1">
+            <a:schemeClr val="accent1"/>
+          </a:effectRef>
+          <a:fontRef idx="minor">
+            <a:schemeClr val="tx1"/>
+          </a:fontRef>
+        </p:style>
+      </p:cxnSp>
+      <p:cxnSp>
+        <p:nvCxnSpPr>
+          <p:cNvPr id="21" name="直線コネクタ 20">
+            <a:extLst>
+              <a:ext uri="{FF2B5EF4-FFF2-40B4-BE49-F238E27FC236}">
+                <a16:creationId xmlns:a16="http://schemas.microsoft.com/office/drawing/2014/main" id="{BCE22F32-9610-0D4A-6435-69C182788DBD}"/>
+              </a:ext>
+            </a:extLst>
+          </p:cNvPr>
+          <p:cNvCxnSpPr>
+            <a:cxnSpLocks/>
+            <a:stCxn id="8" idx="0"/>
+            <a:endCxn id="11" idx="2"/>
+          </p:cNvCxnSpPr>
+          <p:nvPr/>
+        </p:nvCxnSpPr>
+        <p:spPr>
+          <a:xfrm flipV="1">
+            <a:off x="4140000" y="3348000"/>
+            <a:ext cx="585000" cy="792000"/>
+          </a:xfrm>
+          <a:prstGeom prst="line">
+            <a:avLst/>
+          </a:prstGeom>
+          <a:ln w="38100">
+            <a:solidFill>
+              <a:srgbClr val="FF0000"/>
+            </a:solidFill>
+          </a:ln>
+        </p:spPr>
+        <p:style>
+          <a:lnRef idx="2">
+            <a:schemeClr val="accent1"/>
+          </a:lnRef>
+          <a:fillRef idx="0">
+            <a:schemeClr val="accent1"/>
+          </a:fillRef>
+          <a:effectRef idx="1">
+            <a:schemeClr val="accent1"/>
+          </a:effectRef>
+          <a:fontRef idx="minor">
+            <a:schemeClr val="tx1"/>
+          </a:fontRef>
+        </p:style>
+      </p:cxnSp>
+      <p:cxnSp>
+        <p:nvCxnSpPr>
+          <p:cNvPr id="26" name="直線コネクタ 25">
+            <a:extLst>
+              <a:ext uri="{FF2B5EF4-FFF2-40B4-BE49-F238E27FC236}">
+                <a16:creationId xmlns:a16="http://schemas.microsoft.com/office/drawing/2014/main" id="{51C6D285-32C4-DAAA-C694-03CC04EEAA15}"/>
+              </a:ext>
+            </a:extLst>
+          </p:cNvPr>
+          <p:cNvCxnSpPr>
+            <a:cxnSpLocks/>
+            <a:stCxn id="9" idx="0"/>
+            <a:endCxn id="13" idx="2"/>
+          </p:cNvCxnSpPr>
+          <p:nvPr/>
+        </p:nvCxnSpPr>
+        <p:spPr>
+          <a:xfrm flipH="1" flipV="1">
+            <a:off x="5193000" y="3348000"/>
+            <a:ext cx="1107000" cy="792000"/>
+          </a:xfrm>
+          <a:prstGeom prst="line">
+            <a:avLst/>
+          </a:prstGeom>
+          <a:ln w="38100">
+            <a:solidFill>
+              <a:srgbClr val="FF0000"/>
+            </a:solidFill>
+          </a:ln>
+        </p:spPr>
+        <p:style>
+          <a:lnRef idx="2">
+            <a:schemeClr val="accent1"/>
+          </a:lnRef>
+          <a:fillRef idx="0">
+            <a:schemeClr val="accent1"/>
+          </a:fillRef>
+          <a:effectRef idx="1">
+            <a:schemeClr val="accent1"/>
+          </a:effectRef>
+          <a:fontRef idx="minor">
+            <a:schemeClr val="tx1"/>
+          </a:fontRef>
+        </p:style>
+      </p:cxnSp>
+      <p:sp>
+        <p:nvSpPr>
+          <p:cNvPr id="30" name="フリーフォーム: 図形 29">
+            <a:extLst>
+              <a:ext uri="{FF2B5EF4-FFF2-40B4-BE49-F238E27FC236}">
+                <a16:creationId xmlns:a16="http://schemas.microsoft.com/office/drawing/2014/main" id="{3929EC29-DB97-DDC1-09AC-57FB060F9882}"/>
+              </a:ext>
+            </a:extLst>
+          </p:cNvPr>
+          <p:cNvSpPr/>
+          <p:nvPr/>
+        </p:nvSpPr>
+        <p:spPr>
+          <a:xfrm>
+            <a:off x="5400000" y="2879502"/>
+            <a:ext cx="2160000" cy="1980497"/>
+          </a:xfrm>
+          <a:custGeom>
+            <a:avLst/>
+            <a:gdLst>
+              <a:gd name="connsiteX0" fmla="*/ 0 w 1248697"/>
+              <a:gd name="connsiteY0" fmla="*/ 0 h 1081549"/>
+              <a:gd name="connsiteX1" fmla="*/ 1248697 w 1248697"/>
+              <a:gd name="connsiteY1" fmla="*/ 0 h 1081549"/>
+              <a:gd name="connsiteX2" fmla="*/ 1248697 w 1248697"/>
+              <a:gd name="connsiteY2" fmla="*/ 1081549 h 1081549"/>
+            </a:gdLst>
+            <a:ahLst/>
+            <a:cxnLst>
+              <a:cxn ang="0">
+                <a:pos x="connsiteX0" y="connsiteY0"/>
+              </a:cxn>
+              <a:cxn ang="0">
+                <a:pos x="connsiteX1" y="connsiteY1"/>
+              </a:cxn>
+              <a:cxn ang="0">
+                <a:pos x="connsiteX2" y="connsiteY2"/>
+              </a:cxn>
+            </a:cxnLst>
+            <a:rect l="l" t="t" r="r" b="b"/>
+            <a:pathLst>
+              <a:path w="1248697" h="1081549">
+                <a:moveTo>
+                  <a:pt x="0" y="0"/>
+                </a:moveTo>
+                <a:lnTo>
+                  <a:pt x="1248697" y="0"/>
+                </a:lnTo>
+                <a:lnTo>
+                  <a:pt x="1248697" y="1081549"/>
+                </a:lnTo>
+              </a:path>
+            </a:pathLst>
+          </a:custGeom>
+          <a:noFill/>
+          <a:ln w="38100">
+            <a:solidFill>
+              <a:srgbClr val="FF0000"/>
+            </a:solidFill>
+          </a:ln>
+        </p:spPr>
+        <p:style>
+          <a:lnRef idx="2">
+            <a:schemeClr val="accent1">
+              <a:shade val="15000"/>
+            </a:schemeClr>
+          </a:lnRef>
+          <a:fillRef idx="1">
+            <a:schemeClr val="accent1"/>
+          </a:fillRef>
+          <a:effectRef idx="0">
+            <a:schemeClr val="accent1"/>
+          </a:effectRef>
+          <a:fontRef idx="minor">
+            <a:schemeClr val="lt1"/>
+          </a:fontRef>
+        </p:style>
+        <p:txBody>
+          <a:bodyPr rtlCol="0" anchor="ctr"/>
+          <a:lstStyle/>
+          <a:p>
+            <a:pPr algn="ctr"/>
+            <a:endParaRPr kumimoji="1" lang="ja-JP" altLang="en-US">
+              <a:latin typeface="Meiryo UI" panose="020B0604030504040204" pitchFamily="50" charset="-128"/>
+              <a:ea typeface="Meiryo UI" panose="020B0604030504040204" pitchFamily="50" charset="-128"/>
+            </a:endParaRPr>
+          </a:p>
+        </p:txBody>
+      </p:sp>
+      <p:cxnSp>
+        <p:nvCxnSpPr>
+          <p:cNvPr id="33" name="コネクタ: カギ線 32">
+            <a:extLst>
+              <a:ext uri="{FF2B5EF4-FFF2-40B4-BE49-F238E27FC236}">
+                <a16:creationId xmlns:a16="http://schemas.microsoft.com/office/drawing/2014/main" id="{F1FE083C-1C52-43F5-2163-CB019DCD64FE}"/>
+              </a:ext>
+            </a:extLst>
+          </p:cNvPr>
+          <p:cNvCxnSpPr>
+            <a:cxnSpLocks/>
+            <a:stCxn id="15" idx="1"/>
+          </p:cNvCxnSpPr>
+          <p:nvPr/>
+        </p:nvCxnSpPr>
+        <p:spPr>
+          <a:xfrm rot="10800000" flipV="1">
+            <a:off x="720000" y="2861999"/>
+            <a:ext cx="901494" cy="1997999"/>
+          </a:xfrm>
+          <a:prstGeom prst="bentConnector2">
+            <a:avLst/>
+          </a:prstGeom>
+          <a:ln w="38100">
+            <a:solidFill>
+              <a:srgbClr val="0070C0"/>
+            </a:solidFill>
+          </a:ln>
+        </p:spPr>
+        <p:style>
+          <a:lnRef idx="2">
+            <a:schemeClr val="accent1"/>
+          </a:lnRef>
+          <a:fillRef idx="0">
+            <a:schemeClr val="accent1"/>
+          </a:fillRef>
+          <a:effectRef idx="1">
+            <a:schemeClr val="accent1"/>
+          </a:effectRef>
+          <a:fontRef idx="minor">
+            <a:schemeClr val="tx1"/>
+          </a:fontRef>
+        </p:style>
+      </p:cxnSp>
+    </p:spTree>
+    <p:extLst>
+      <p:ext uri="{BB962C8B-B14F-4D97-AF65-F5344CB8AC3E}">
+        <p14:creationId xmlns:p14="http://schemas.microsoft.com/office/powerpoint/2010/main" val="1110836372"/>
+      </p:ext>
+    </p:extLst>
+  </p:cSld>
+  <p:clrMapOvr>
+    <a:masterClrMapping/>
+  </p:clrMapOvr>
+</p:sld>
+</file>
+
+<file path=ppt/slides/slide4.xml><?xml version="1.0" encoding="utf-8"?>
+<p:sld xmlns:a="http://schemas.openxmlformats.org/drawingml/2006/main" xmlns:r="http://schemas.openxmlformats.org/officeDocument/2006/relationships" xmlns:p="http://schemas.openxmlformats.org/presentationml/2006/main">
+  <p:cSld>
+    <p:spTree>
+      <p:nvGrpSpPr>
+        <p:cNvPr id="1" name="">
+          <a:extLst>
+            <a:ext uri="{FF2B5EF4-FFF2-40B4-BE49-F238E27FC236}">
+              <a16:creationId xmlns:a16="http://schemas.microsoft.com/office/drawing/2014/main" id="{15A7E317-121F-826F-4675-0CFECA95DB7E}"/>
+            </a:ext>
+          </a:extLst>
+        </p:cNvPr>
+        <p:cNvGrpSpPr/>
+        <p:nvPr/>
+      </p:nvGrpSpPr>
+      <p:grpSpPr>
+        <a:xfrm>
+          <a:off x="0" y="0"/>
+          <a:ext cx="0" cy="0"/>
+          <a:chOff x="0" y="0"/>
+          <a:chExt cx="0" cy="0"/>
+        </a:xfrm>
+      </p:grpSpPr>
+      <p:pic>
+        <p:nvPicPr>
+          <p:cNvPr id="2" name="図 1" descr="ダイアグラム&#10;&#10;AI によって生成されたコンテンツは間違っている可能性があります。">
+            <a:extLst>
+              <a:ext uri="{FF2B5EF4-FFF2-40B4-BE49-F238E27FC236}">
+                <a16:creationId xmlns:a16="http://schemas.microsoft.com/office/drawing/2014/main" id="{37CE6776-00BC-6BAE-9D98-099F614505A3}"/>
+              </a:ext>
+            </a:extLst>
+          </p:cNvPr>
+          <p:cNvPicPr>
+            <a:picLocks noChangeAspect="1"/>
+          </p:cNvPicPr>
+          <p:nvPr/>
+        </p:nvPicPr>
+        <p:blipFill>
+          <a:blip r:embed="rId2"/>
+          <a:stretch>
+            <a:fillRect/>
+          </a:stretch>
+        </p:blipFill>
+        <p:spPr>
+          <a:xfrm>
+            <a:off x="360000" y="360000"/>
+            <a:ext cx="2218400" cy="3600000"/>
+          </a:xfrm>
+          <a:prstGeom prst="rect">
+            <a:avLst/>
+          </a:prstGeom>
+        </p:spPr>
+      </p:pic>
+      <p:sp>
+        <p:nvSpPr>
+          <p:cNvPr id="3" name="テキスト ボックス 2">
+            <a:extLst>
+              <a:ext uri="{FF2B5EF4-FFF2-40B4-BE49-F238E27FC236}">
+                <a16:creationId xmlns:a16="http://schemas.microsoft.com/office/drawing/2014/main" id="{8B84D94B-B783-3533-9B49-37EDF7AB9352}"/>
+              </a:ext>
+            </a:extLst>
+          </p:cNvPr>
+          <p:cNvSpPr txBox="1"/>
+          <p:nvPr/>
+        </p:nvSpPr>
+        <p:spPr>
+          <a:xfrm>
+            <a:off x="2520000" y="2160000"/>
+            <a:ext cx="1800000" cy="369332"/>
+          </a:xfrm>
+          <a:prstGeom prst="rect">
+            <a:avLst/>
+          </a:prstGeom>
+          <a:noFill/>
+          <a:ln w="38100">
+            <a:solidFill>
+              <a:srgbClr val="FF0000"/>
+            </a:solidFill>
+          </a:ln>
+        </p:spPr>
+        <p:txBody>
+          <a:bodyPr wrap="square" rtlCol="0" anchor="ctr">
+            <a:spAutoFit/>
+          </a:bodyPr>
+          <a:lstStyle/>
+          <a:p>
+            <a:r>
+              <a:rPr kumimoji="1" lang="en-US" altLang="ja-JP" b="1" dirty="0">
+                <a:latin typeface="Meiryo UI" panose="020B0604030504040204" pitchFamily="50" charset="-128"/>
+                <a:ea typeface="Meiryo UI" panose="020B0604030504040204" pitchFamily="50" charset="-128"/>
+              </a:rPr>
+              <a:t>Mode switch </a:t>
+            </a:r>
+            <a:endParaRPr kumimoji="1" lang="ja-JP" altLang="en-US" b="1" dirty="0">
+              <a:latin typeface="Meiryo UI" panose="020B0604030504040204" pitchFamily="50" charset="-128"/>
+              <a:ea typeface="Meiryo UI" panose="020B0604030504040204" pitchFamily="50" charset="-128"/>
+            </a:endParaRPr>
+          </a:p>
+        </p:txBody>
+      </p:sp>
+      <p:sp>
+        <p:nvSpPr>
+          <p:cNvPr id="4" name="テキスト ボックス 3">
+            <a:extLst>
+              <a:ext uri="{FF2B5EF4-FFF2-40B4-BE49-F238E27FC236}">
+                <a16:creationId xmlns:a16="http://schemas.microsoft.com/office/drawing/2014/main" id="{7BEBD14C-D743-198C-79D8-9A651E061913}"/>
+              </a:ext>
+            </a:extLst>
+          </p:cNvPr>
+          <p:cNvSpPr txBox="1"/>
+          <p:nvPr/>
+        </p:nvSpPr>
+        <p:spPr>
+          <a:xfrm>
+            <a:off x="2520000" y="2700000"/>
+            <a:ext cx="1800000" cy="369332"/>
+          </a:xfrm>
+          <a:prstGeom prst="rect">
+            <a:avLst/>
+          </a:prstGeom>
+          <a:noFill/>
+          <a:ln w="38100">
+            <a:solidFill>
+              <a:srgbClr val="FF0000"/>
+            </a:solidFill>
+          </a:ln>
+        </p:spPr>
+        <p:txBody>
+          <a:bodyPr wrap="square" rtlCol="0" anchor="ctr">
+            <a:spAutoFit/>
+          </a:bodyPr>
+          <a:lstStyle/>
+          <a:p>
+            <a:r>
+              <a:rPr kumimoji="1" lang="en-US" altLang="ja-JP" b="1" dirty="0">
+                <a:latin typeface="Meiryo UI" panose="020B0604030504040204" pitchFamily="50" charset="-128"/>
+                <a:ea typeface="Meiryo UI" panose="020B0604030504040204" pitchFamily="50" charset="-128"/>
+              </a:rPr>
+              <a:t>USB port</a:t>
+            </a:r>
+            <a:endParaRPr kumimoji="1" lang="ja-JP" altLang="en-US" b="1" dirty="0">
+              <a:latin typeface="Meiryo UI" panose="020B0604030504040204" pitchFamily="50" charset="-128"/>
+              <a:ea typeface="Meiryo UI" panose="020B0604030504040204" pitchFamily="50" charset="-128"/>
+            </a:endParaRPr>
+          </a:p>
+        </p:txBody>
+      </p:sp>
+      <p:sp>
+        <p:nvSpPr>
+          <p:cNvPr id="5" name="テキスト ボックス 4">
+            <a:extLst>
+              <a:ext uri="{FF2B5EF4-FFF2-40B4-BE49-F238E27FC236}">
+                <a16:creationId xmlns:a16="http://schemas.microsoft.com/office/drawing/2014/main" id="{10726A23-663A-2CFF-0F84-04DDE65ED717}"/>
+              </a:ext>
+            </a:extLst>
+          </p:cNvPr>
+          <p:cNvSpPr txBox="1"/>
+          <p:nvPr/>
+        </p:nvSpPr>
+        <p:spPr>
+          <a:xfrm>
+            <a:off x="2520000" y="3240000"/>
+            <a:ext cx="1980000" cy="370800"/>
+          </a:xfrm>
+          <a:prstGeom prst="rect">
+            <a:avLst/>
+          </a:prstGeom>
+          <a:noFill/>
+          <a:ln w="38100">
+            <a:solidFill>
+              <a:srgbClr val="FF0000"/>
+            </a:solidFill>
+          </a:ln>
+        </p:spPr>
+        <p:txBody>
+          <a:bodyPr wrap="square" rtlCol="0" anchor="ctr">
+            <a:spAutoFit/>
+          </a:bodyPr>
+          <a:lstStyle/>
+          <a:p>
+            <a:r>
+              <a:rPr lang="en-US" altLang="ja-JP" b="1" dirty="0">
+                <a:latin typeface="Meiryo UI" panose="020B0604030504040204" pitchFamily="50" charset="-128"/>
+                <a:ea typeface="Meiryo UI" panose="020B0604030504040204" pitchFamily="50" charset="-128"/>
+              </a:rPr>
+              <a:t>Ethernet port</a:t>
+            </a:r>
+            <a:endParaRPr kumimoji="1" lang="ja-JP" altLang="en-US" b="1" dirty="0">
+              <a:latin typeface="Meiryo UI" panose="020B0604030504040204" pitchFamily="50" charset="-128"/>
+              <a:ea typeface="Meiryo UI" panose="020B0604030504040204" pitchFamily="50" charset="-128"/>
+            </a:endParaRPr>
+          </a:p>
+        </p:txBody>
+      </p:sp>
+      <p:cxnSp>
+        <p:nvCxnSpPr>
+          <p:cNvPr id="6" name="直線コネクタ 5">
+            <a:extLst>
+              <a:ext uri="{FF2B5EF4-FFF2-40B4-BE49-F238E27FC236}">
+                <a16:creationId xmlns:a16="http://schemas.microsoft.com/office/drawing/2014/main" id="{ED94894B-BCC8-E137-F5FF-8B46326F5D33}"/>
+              </a:ext>
+            </a:extLst>
+          </p:cNvPr>
+          <p:cNvCxnSpPr>
+            <a:cxnSpLocks/>
+            <a:endCxn id="3" idx="1"/>
+          </p:cNvCxnSpPr>
+          <p:nvPr/>
+        </p:nvCxnSpPr>
+        <p:spPr>
+          <a:xfrm>
+            <a:off x="914400" y="2241755"/>
+            <a:ext cx="1605600" cy="102911"/>
+          </a:xfrm>
+          <a:prstGeom prst="line">
+            <a:avLst/>
+          </a:prstGeom>
+          <a:ln w="38100">
+            <a:solidFill>
+              <a:srgbClr val="FF0000"/>
+            </a:solidFill>
+          </a:ln>
+        </p:spPr>
+        <p:style>
+          <a:lnRef idx="2">
+            <a:schemeClr val="accent1"/>
+          </a:lnRef>
+          <a:fillRef idx="0">
+            <a:schemeClr val="accent1"/>
+          </a:fillRef>
+          <a:effectRef idx="1">
+            <a:schemeClr val="accent1"/>
+          </a:effectRef>
+          <a:fontRef idx="minor">
+            <a:schemeClr val="tx1"/>
+          </a:fontRef>
+        </p:style>
+      </p:cxnSp>
+      <p:cxnSp>
+        <p:nvCxnSpPr>
+          <p:cNvPr id="10" name="直線コネクタ 9">
+            <a:extLst>
+              <a:ext uri="{FF2B5EF4-FFF2-40B4-BE49-F238E27FC236}">
+                <a16:creationId xmlns:a16="http://schemas.microsoft.com/office/drawing/2014/main" id="{E305A236-07FC-ADE0-03E3-B2F285627C83}"/>
+              </a:ext>
+            </a:extLst>
+          </p:cNvPr>
+          <p:cNvCxnSpPr>
+            <a:cxnSpLocks/>
+            <a:endCxn id="4" idx="1"/>
+          </p:cNvCxnSpPr>
+          <p:nvPr/>
+        </p:nvCxnSpPr>
+        <p:spPr>
+          <a:xfrm>
+            <a:off x="1002890" y="2787044"/>
+            <a:ext cx="1517110" cy="97622"/>
+          </a:xfrm>
+          <a:prstGeom prst="line">
+            <a:avLst/>
+          </a:prstGeom>
+          <a:ln w="38100">
+            <a:solidFill>
+              <a:srgbClr val="FF0000"/>
+            </a:solidFill>
+          </a:ln>
+        </p:spPr>
+        <p:style>
+          <a:lnRef idx="2">
+            <a:schemeClr val="accent1"/>
+          </a:lnRef>
+          <a:fillRef idx="0">
+            <a:schemeClr val="accent1"/>
+          </a:fillRef>
+          <a:effectRef idx="1">
+            <a:schemeClr val="accent1"/>
+          </a:effectRef>
+          <a:fontRef idx="minor">
+            <a:schemeClr val="tx1"/>
+          </a:fontRef>
+        </p:style>
+      </p:cxnSp>
+      <p:cxnSp>
+        <p:nvCxnSpPr>
+          <p:cNvPr id="13" name="直線コネクタ 12">
+            <a:extLst>
+              <a:ext uri="{FF2B5EF4-FFF2-40B4-BE49-F238E27FC236}">
+                <a16:creationId xmlns:a16="http://schemas.microsoft.com/office/drawing/2014/main" id="{75251F70-D6E8-566D-9D55-E9AB1A114FF9}"/>
+              </a:ext>
+            </a:extLst>
+          </p:cNvPr>
+          <p:cNvCxnSpPr>
+            <a:cxnSpLocks/>
+            <a:endCxn id="5" idx="1"/>
+          </p:cNvCxnSpPr>
+          <p:nvPr/>
+        </p:nvCxnSpPr>
+        <p:spPr>
+          <a:xfrm>
+            <a:off x="1002890" y="3364021"/>
+            <a:ext cx="1517110" cy="61379"/>
+          </a:xfrm>
+          <a:prstGeom prst="line">
+            <a:avLst/>
+          </a:prstGeom>
+          <a:ln w="38100">
+            <a:solidFill>
+              <a:srgbClr val="FF0000"/>
+            </a:solidFill>
+          </a:ln>
+        </p:spPr>
+        <p:style>
+          <a:lnRef idx="2">
+            <a:schemeClr val="accent1"/>
+          </a:lnRef>
+          <a:fillRef idx="0">
+            <a:schemeClr val="accent1"/>
+          </a:fillRef>
+          <a:effectRef idx="1">
+            <a:schemeClr val="accent1"/>
+          </a:effectRef>
+          <a:fontRef idx="minor">
+            <a:schemeClr val="tx1"/>
+          </a:fontRef>
+        </p:style>
+      </p:cxnSp>
+    </p:spTree>
+    <p:extLst>
+      <p:ext uri="{BB962C8B-B14F-4D97-AF65-F5344CB8AC3E}">
+        <p14:creationId xmlns:p14="http://schemas.microsoft.com/office/powerpoint/2010/main" val="2762439344"/>
+      </p:ext>
+    </p:extLst>
+  </p:cSld>
+  <p:clrMapOvr>
+    <a:masterClrMapping/>
+  </p:clrMapOvr>
+</p:sld>
+</file>
+
+<file path=ppt/slides/slide5.xml><?xml version="1.0" encoding="utf-8"?>
+<p:sld xmlns:a="http://schemas.openxmlformats.org/drawingml/2006/main" xmlns:r="http://schemas.openxmlformats.org/officeDocument/2006/relationships" xmlns:p="http://schemas.openxmlformats.org/presentationml/2006/main">
+  <p:cSld>
+    <p:spTree>
+      <p:nvGrpSpPr>
+        <p:cNvPr id="1" name="">
+          <a:extLst>
+            <a:ext uri="{FF2B5EF4-FFF2-40B4-BE49-F238E27FC236}">
+              <a16:creationId xmlns:a16="http://schemas.microsoft.com/office/drawing/2014/main" id="{3CF78F4A-AA9C-FE66-AE95-68A5371787D8}"/>
+            </a:ext>
+          </a:extLst>
+        </p:cNvPr>
+        <p:cNvGrpSpPr/>
+        <p:nvPr/>
+      </p:nvGrpSpPr>
+      <p:grpSpPr>
+        <a:xfrm>
+          <a:off x="0" y="0"/>
+          <a:ext cx="0" cy="0"/>
+          <a:chOff x="0" y="0"/>
+          <a:chExt cx="0" cy="0"/>
+        </a:xfrm>
+      </p:grpSpPr>
+    </p:spTree>
+    <p:extLst>
+      <p:ext uri="{BB962C8B-B14F-4D97-AF65-F5344CB8AC3E}">
+        <p14:creationId xmlns:p14="http://schemas.microsoft.com/office/powerpoint/2010/main" val="874564320"/>
+      </p:ext>
+    </p:extLst>
+  </p:cSld>
+  <p:clrMapOvr>
+    <a:masterClrMapping/>
+  </p:clrMapOvr>
+</p:sld>
+</file>
+
+<file path=ppt/slides/slide6.xml><?xml version="1.0" encoding="utf-8"?>
+<p:sld xmlns:a="http://schemas.openxmlformats.org/drawingml/2006/main" xmlns:r="http://schemas.openxmlformats.org/officeDocument/2006/relationships" xmlns:p="http://schemas.openxmlformats.org/presentationml/2006/main">
+  <p:cSld>
+    <p:spTree>
+      <p:nvGrpSpPr>
+        <p:cNvPr id="1" name="">
+          <a:extLst>
+            <a:ext uri="{FF2B5EF4-FFF2-40B4-BE49-F238E27FC236}">
+              <a16:creationId xmlns:a16="http://schemas.microsoft.com/office/drawing/2014/main" id="{B6D23682-8739-DD04-C215-0AE747E3D8DF}"/>
+            </a:ext>
+          </a:extLst>
+        </p:cNvPr>
+        <p:cNvGrpSpPr/>
+        <p:nvPr/>
+      </p:nvGrpSpPr>
+      <p:grpSpPr>
+        <a:xfrm>
+          <a:off x="0" y="0"/>
+          <a:ext cx="0" cy="0"/>
+          <a:chOff x="0" y="0"/>
+          <a:chExt cx="0" cy="0"/>
+        </a:xfrm>
+      </p:grpSpPr>
+    </p:spTree>
+    <p:extLst>
+      <p:ext uri="{BB962C8B-B14F-4D97-AF65-F5344CB8AC3E}">
+        <p14:creationId xmlns:p14="http://schemas.microsoft.com/office/powerpoint/2010/main" val="2558045596"/>
+      </p:ext>
+    </p:extLst>
+  </p:cSld>
+  <p:clrMapOvr>
+    <a:masterClrMapping/>
+  </p:clrMapOvr>
+</p:sld>
+</file>
+
+<file path=ppt/slides/slide7.xml><?xml version="1.0" encoding="utf-8"?>
+<p:sld xmlns:a="http://schemas.openxmlformats.org/drawingml/2006/main" xmlns:r="http://schemas.openxmlformats.org/officeDocument/2006/relationships" xmlns:p="http://schemas.openxmlformats.org/presentationml/2006/main">
+  <p:cSld>
+    <p:spTree>
+      <p:nvGrpSpPr>
+        <p:cNvPr id="1" name="">
+          <a:extLst>
+            <a:ext uri="{FF2B5EF4-FFF2-40B4-BE49-F238E27FC236}">
+              <a16:creationId xmlns:a16="http://schemas.microsoft.com/office/drawing/2014/main" id="{F6E772EE-EDA2-CCDF-F59A-0342A369D8C8}"/>
+            </a:ext>
+          </a:extLst>
+        </p:cNvPr>
+        <p:cNvGrpSpPr/>
+        <p:nvPr/>
+      </p:nvGrpSpPr>
+      <p:grpSpPr>
+        <a:xfrm>
+          <a:off x="0" y="0"/>
+          <a:ext cx="0" cy="0"/>
+          <a:chOff x="0" y="0"/>
+          <a:chExt cx="0" cy="0"/>
+        </a:xfrm>
+      </p:grpSpPr>
+    </p:spTree>
+    <p:extLst>
+      <p:ext uri="{BB962C8B-B14F-4D97-AF65-F5344CB8AC3E}">
+        <p14:creationId xmlns:p14="http://schemas.microsoft.com/office/powerpoint/2010/main" val="2676697996"/>
+      </p:ext>
+    </p:extLst>
+  </p:cSld>
+  <p:clrMapOvr>
+    <a:masterClrMapping/>
+  </p:clrMapOvr>
+</p:sld>
+</file>
+
+<file path=ppt/slides/slide8.xml><?xml version="1.0" encoding="utf-8"?>
+<p:sld xmlns:a="http://schemas.openxmlformats.org/drawingml/2006/main" xmlns:r="http://schemas.openxmlformats.org/officeDocument/2006/relationships" xmlns:p="http://schemas.openxmlformats.org/presentationml/2006/main">
+  <p:cSld>
+    <p:spTree>
+      <p:nvGrpSpPr>
+        <p:cNvPr id="1" name="">
+          <a:extLst>
+            <a:ext uri="{FF2B5EF4-FFF2-40B4-BE49-F238E27FC236}">
+              <a16:creationId xmlns:a16="http://schemas.microsoft.com/office/drawing/2014/main" id="{1A640027-BDAB-6C50-8C2F-73101F255937}"/>
+            </a:ext>
+          </a:extLst>
+        </p:cNvPr>
+        <p:cNvGrpSpPr/>
+        <p:nvPr/>
+      </p:nvGrpSpPr>
+      <p:grpSpPr>
+        <a:xfrm>
+          <a:off x="0" y="0"/>
+          <a:ext cx="0" cy="0"/>
+          <a:chOff x="0" y="0"/>
+          <a:chExt cx="0" cy="0"/>
+        </a:xfrm>
+      </p:grpSpPr>
+    </p:spTree>
+    <p:extLst>
+      <p:ext uri="{BB962C8B-B14F-4D97-AF65-F5344CB8AC3E}">
+        <p14:creationId xmlns:p14="http://schemas.microsoft.com/office/powerpoint/2010/main" val="2282372026"/>
       </p:ext>
     </p:extLst>
   </p:cSld>

--- a/Documents/EquipmentConfig.pptx
+++ b/Documents/EquipmentConfig.pptx
@@ -7368,6 +7368,66 @@
           <a:chExt cx="0" cy="0"/>
         </a:xfrm>
       </p:grpSpPr>
+      <p:pic>
+        <p:nvPicPr>
+          <p:cNvPr id="5" name="図 4">
+            <a:extLst>
+              <a:ext uri="{FF2B5EF4-FFF2-40B4-BE49-F238E27FC236}">
+                <a16:creationId xmlns:a16="http://schemas.microsoft.com/office/drawing/2014/main" id="{1FB30498-4F85-2C04-E139-DF57F8DD1A52}"/>
+              </a:ext>
+            </a:extLst>
+          </p:cNvPr>
+          <p:cNvPicPr>
+            <a:picLocks noChangeAspect="1"/>
+          </p:cNvPicPr>
+          <p:nvPr/>
+        </p:nvPicPr>
+        <p:blipFill>
+          <a:blip r:embed="rId2"/>
+          <a:stretch>
+            <a:fillRect/>
+          </a:stretch>
+        </p:blipFill>
+        <p:spPr>
+          <a:xfrm>
+            <a:off x="360000" y="360000"/>
+            <a:ext cx="4570667" cy="4320000"/>
+          </a:xfrm>
+          <a:prstGeom prst="rect">
+            <a:avLst/>
+          </a:prstGeom>
+        </p:spPr>
+      </p:pic>
+      <p:pic>
+        <p:nvPicPr>
+          <p:cNvPr id="7" name="図 6">
+            <a:extLst>
+              <a:ext uri="{FF2B5EF4-FFF2-40B4-BE49-F238E27FC236}">
+                <a16:creationId xmlns:a16="http://schemas.microsoft.com/office/drawing/2014/main" id="{7DBC57D5-B238-9822-9917-953BCE89A272}"/>
+              </a:ext>
+            </a:extLst>
+          </p:cNvPr>
+          <p:cNvPicPr>
+            <a:picLocks noChangeAspect="1"/>
+          </p:cNvPicPr>
+          <p:nvPr/>
+        </p:nvPicPr>
+        <p:blipFill>
+          <a:blip r:embed="rId3"/>
+          <a:stretch>
+            <a:fillRect/>
+          </a:stretch>
+        </p:blipFill>
+        <p:spPr>
+          <a:xfrm>
+            <a:off x="5795343" y="360000"/>
+            <a:ext cx="4433820" cy="4320000"/>
+          </a:xfrm>
+          <a:prstGeom prst="rect">
+            <a:avLst/>
+          </a:prstGeom>
+        </p:spPr>
+      </p:pic>
     </p:spTree>
     <p:extLst>
       <p:ext uri="{BB962C8B-B14F-4D97-AF65-F5344CB8AC3E}">
@@ -7404,6 +7464,36 @@
           <a:chExt cx="0" cy="0"/>
         </a:xfrm>
       </p:grpSpPr>
+      <p:pic>
+        <p:nvPicPr>
+          <p:cNvPr id="5" name="図 4">
+            <a:extLst>
+              <a:ext uri="{FF2B5EF4-FFF2-40B4-BE49-F238E27FC236}">
+                <a16:creationId xmlns:a16="http://schemas.microsoft.com/office/drawing/2014/main" id="{528FC8DB-BD51-79FC-33D5-39E753001A42}"/>
+              </a:ext>
+            </a:extLst>
+          </p:cNvPr>
+          <p:cNvPicPr>
+            <a:picLocks noChangeAspect="1"/>
+          </p:cNvPicPr>
+          <p:nvPr/>
+        </p:nvPicPr>
+        <p:blipFill>
+          <a:blip r:embed="rId2"/>
+          <a:stretch>
+            <a:fillRect/>
+          </a:stretch>
+        </p:blipFill>
+        <p:spPr>
+          <a:xfrm>
+            <a:off x="360000" y="360000"/>
+            <a:ext cx="3843650" cy="4320000"/>
+          </a:xfrm>
+          <a:prstGeom prst="rect">
+            <a:avLst/>
+          </a:prstGeom>
+        </p:spPr>
+      </p:pic>
     </p:spTree>
     <p:extLst>
       <p:ext uri="{BB962C8B-B14F-4D97-AF65-F5344CB8AC3E}">
